--- a/java-lc3a.pptx
+++ b/java-lc3a.pptx
@@ -231,7 +231,7 @@
           <a:p>
             <a:fld id="{7F1638D8-92C4-433B-B2C4-FDB2E38D560E}" type="datetimeFigureOut">
               <a:rPr lang="ru-RU" smtClean="0"/>
-              <a:t>26.02.2018</a:t>
+              <a:t>20.02.2019</a:t>
             </a:fld>
             <a:endParaRPr lang="ru-RU"/>
           </a:p>
@@ -25967,6 +25967,13 @@
   <p:clrMapOvr>
     <a:masterClrMapping/>
   </p:clrMapOvr>
+  <p:timing>
+    <p:tnLst>
+      <p:par>
+        <p:cTn id="1" dur="indefinite" restart="never" nodeType="tmRoot"/>
+      </p:par>
+    </p:tnLst>
+  </p:timing>
 </p:sld>
 </file>
 
@@ -26688,7 +26695,7 @@
               <a:t> </a:t>
             </a:r>
             <a:r>
-              <a:rPr lang="en-US" sz="2000" b="1" dirty="0">
+              <a:rPr lang="en-US" sz="2000" b="1">
                 <a:solidFill>
                   <a:srgbClr val="0000FF"/>
                 </a:solidFill>
@@ -26697,16 +26704,25 @@
               <a:t>return</a:t>
             </a:r>
             <a:r>
-              <a:rPr lang="en-US" sz="2000" dirty="0">
+              <a:rPr lang="en-US" sz="2000">
                 <a:solidFill>
                   <a:srgbClr val="000000"/>
                 </a:solidFill>
                 <a:latin typeface="Consolas" panose="020B0609020204030204" pitchFamily="49" charset="0"/>
               </a:rPr>
-              <a:t> a</a:t>
-            </a:r>
-            <a:r>
-              <a:rPr lang="en-US" sz="2000" b="1" dirty="0">
+              <a:t> </a:t>
+            </a:r>
+            <a:r>
+              <a:rPr lang="en-US" sz="2000" smtClean="0">
+                <a:solidFill>
+                  <a:srgbClr val="000000"/>
+                </a:solidFill>
+                <a:latin typeface="Consolas" panose="020B0609020204030204" pitchFamily="49" charset="0"/>
+              </a:rPr>
+              <a:t>a</a:t>
+            </a:r>
+            <a:r>
+              <a:rPr lang="en-US" sz="2000" b="1" smtClean="0">
                 <a:solidFill>
                   <a:srgbClr val="000080"/>
                 </a:solidFill>
@@ -26715,16 +26731,16 @@
               <a:t>*</a:t>
             </a:r>
             <a:r>
-              <a:rPr lang="en-US" sz="2000" dirty="0">
+              <a:rPr lang="en-US" sz="2000" smtClean="0">
                 <a:solidFill>
                   <a:srgbClr val="000000"/>
                 </a:solidFill>
                 <a:latin typeface="Consolas" panose="020B0609020204030204" pitchFamily="49" charset="0"/>
               </a:rPr>
-              <a:t>h</a:t>
-            </a:r>
-            <a:r>
-              <a:rPr lang="en-US" sz="2000" b="1" dirty="0">
+              <a:t>h/2</a:t>
+            </a:r>
+            <a:r>
+              <a:rPr lang="en-US" sz="2000" b="1" smtClean="0">
                 <a:solidFill>
                   <a:srgbClr val="000080"/>
                 </a:solidFill>
@@ -26733,7 +26749,7 @@
               <a:t>;</a:t>
             </a:r>
             <a:r>
-              <a:rPr lang="en-US" sz="2000" dirty="0">
+              <a:rPr lang="en-US" sz="2000" smtClean="0">
                 <a:solidFill>
                   <a:srgbClr val="000000"/>
                 </a:solidFill>
@@ -27262,6 +27278,13 @@
   <p:clrMapOvr>
     <a:masterClrMapping/>
   </p:clrMapOvr>
+  <p:timing>
+    <p:tnLst>
+      <p:par>
+        <p:cTn id="1" dur="indefinite" restart="never" nodeType="tmRoot"/>
+      </p:par>
+    </p:tnLst>
+  </p:timing>
 </p:sld>
 </file>
 
@@ -28929,6 +28952,13 @@
   <p:clrMapOvr>
     <a:masterClrMapping/>
   </p:clrMapOvr>
+  <p:timing>
+    <p:tnLst>
+      <p:par>
+        <p:cTn id="1" dur="indefinite" restart="never" nodeType="tmRoot"/>
+      </p:par>
+    </p:tnLst>
+  </p:timing>
 </p:sld>
 </file>
 
